--- a/Write up/5. Architecture/architecture.pptx
+++ b/Write up/5. Architecture/architecture.pptx
@@ -109,6 +109,11 @@
       </a:defRPr>
     </a:lvl9pPr>
   </p:defaultTextStyle>
+  <p:extLst>
+    <p:ext uri="{EFAFB233-063F-42B5-8137-9DF3F51BA10A}">
+      <p15:sldGuideLst xmlns:p15="http://schemas.microsoft.com/office/powerpoint/2012/main"/>
+    </p:ext>
+  </p:extLst>
 </p:presentation>
 </file>
 
@@ -243,7 +248,7 @@
           <a:p>
             <a:fld id="{F3EE7A8F-E13C-4373-82ED-9FCFFD8FA1E7}" type="datetimeFigureOut">
               <a:rPr lang="en-GB" smtClean="0"/>
-              <a:t>07/06/2019</a:t>
+              <a:t>12/06/2019</a:t>
             </a:fld>
             <a:endParaRPr lang="en-GB"/>
           </a:p>
@@ -413,7 +418,7 @@
           <a:p>
             <a:fld id="{F3EE7A8F-E13C-4373-82ED-9FCFFD8FA1E7}" type="datetimeFigureOut">
               <a:rPr lang="en-GB" smtClean="0"/>
-              <a:t>07/06/2019</a:t>
+              <a:t>12/06/2019</a:t>
             </a:fld>
             <a:endParaRPr lang="en-GB"/>
           </a:p>
@@ -593,7 +598,7 @@
           <a:p>
             <a:fld id="{F3EE7A8F-E13C-4373-82ED-9FCFFD8FA1E7}" type="datetimeFigureOut">
               <a:rPr lang="en-GB" smtClean="0"/>
-              <a:t>07/06/2019</a:t>
+              <a:t>12/06/2019</a:t>
             </a:fld>
             <a:endParaRPr lang="en-GB"/>
           </a:p>
@@ -763,7 +768,7 @@
           <a:p>
             <a:fld id="{F3EE7A8F-E13C-4373-82ED-9FCFFD8FA1E7}" type="datetimeFigureOut">
               <a:rPr lang="en-GB" smtClean="0"/>
-              <a:t>07/06/2019</a:t>
+              <a:t>12/06/2019</a:t>
             </a:fld>
             <a:endParaRPr lang="en-GB"/>
           </a:p>
@@ -1007,7 +1012,7 @@
           <a:p>
             <a:fld id="{F3EE7A8F-E13C-4373-82ED-9FCFFD8FA1E7}" type="datetimeFigureOut">
               <a:rPr lang="en-GB" smtClean="0"/>
-              <a:t>07/06/2019</a:t>
+              <a:t>12/06/2019</a:t>
             </a:fld>
             <a:endParaRPr lang="en-GB"/>
           </a:p>
@@ -1239,7 +1244,7 @@
           <a:p>
             <a:fld id="{F3EE7A8F-E13C-4373-82ED-9FCFFD8FA1E7}" type="datetimeFigureOut">
               <a:rPr lang="en-GB" smtClean="0"/>
-              <a:t>07/06/2019</a:t>
+              <a:t>12/06/2019</a:t>
             </a:fld>
             <a:endParaRPr lang="en-GB"/>
           </a:p>
@@ -1606,7 +1611,7 @@
           <a:p>
             <a:fld id="{F3EE7A8F-E13C-4373-82ED-9FCFFD8FA1E7}" type="datetimeFigureOut">
               <a:rPr lang="en-GB" smtClean="0"/>
-              <a:t>07/06/2019</a:t>
+              <a:t>12/06/2019</a:t>
             </a:fld>
             <a:endParaRPr lang="en-GB"/>
           </a:p>
@@ -1724,7 +1729,7 @@
           <a:p>
             <a:fld id="{F3EE7A8F-E13C-4373-82ED-9FCFFD8FA1E7}" type="datetimeFigureOut">
               <a:rPr lang="en-GB" smtClean="0"/>
-              <a:t>07/06/2019</a:t>
+              <a:t>12/06/2019</a:t>
             </a:fld>
             <a:endParaRPr lang="en-GB"/>
           </a:p>
@@ -1819,7 +1824,7 @@
           <a:p>
             <a:fld id="{F3EE7A8F-E13C-4373-82ED-9FCFFD8FA1E7}" type="datetimeFigureOut">
               <a:rPr lang="en-GB" smtClean="0"/>
-              <a:t>07/06/2019</a:t>
+              <a:t>12/06/2019</a:t>
             </a:fld>
             <a:endParaRPr lang="en-GB"/>
           </a:p>
@@ -2096,7 +2101,7 @@
           <a:p>
             <a:fld id="{F3EE7A8F-E13C-4373-82ED-9FCFFD8FA1E7}" type="datetimeFigureOut">
               <a:rPr lang="en-GB" smtClean="0"/>
-              <a:t>07/06/2019</a:t>
+              <a:t>12/06/2019</a:t>
             </a:fld>
             <a:endParaRPr lang="en-GB"/>
           </a:p>
@@ -2353,7 +2358,7 @@
           <a:p>
             <a:fld id="{F3EE7A8F-E13C-4373-82ED-9FCFFD8FA1E7}" type="datetimeFigureOut">
               <a:rPr lang="en-GB" smtClean="0"/>
-              <a:t>07/06/2019</a:t>
+              <a:t>12/06/2019</a:t>
             </a:fld>
             <a:endParaRPr lang="en-GB"/>
           </a:p>
@@ -2566,7 +2571,7 @@
           <a:p>
             <a:fld id="{F3EE7A8F-E13C-4373-82ED-9FCFFD8FA1E7}" type="datetimeFigureOut">
               <a:rPr lang="en-GB" smtClean="0"/>
-              <a:t>07/06/2019</a:t>
+              <a:t>12/06/2019</a:t>
             </a:fld>
             <a:endParaRPr lang="en-GB"/>
           </a:p>
@@ -5253,58 +5258,6 @@
           <a:chExt cx="0" cy="0"/>
         </a:xfrm>
       </p:grpSpPr>
-      <p:sp>
-        <p:nvSpPr>
-          <p:cNvPr id="52" name="Rectangle: Rounded Corners 51">
-            <a:extLst>
-              <a:ext uri="{FF2B5EF4-FFF2-40B4-BE49-F238E27FC236}">
-                <a16:creationId xmlns:a16="http://schemas.microsoft.com/office/drawing/2014/main" id="{A1E9DFBC-6338-45B5-A996-4092046CAD99}"/>
-              </a:ext>
-            </a:extLst>
-          </p:cNvPr>
-          <p:cNvSpPr/>
-          <p:nvPr/>
-        </p:nvSpPr>
-        <p:spPr>
-          <a:xfrm>
-            <a:off x="12200082" y="-1593458"/>
-            <a:ext cx="1849582" cy="623455"/>
-          </a:xfrm>
-          <a:prstGeom prst="roundRect">
-            <a:avLst/>
-          </a:prstGeom>
-          <a:solidFill>
-            <a:schemeClr val="bg2">
-              <a:lumMod val="75000"/>
-            </a:schemeClr>
-          </a:solidFill>
-        </p:spPr>
-        <p:style>
-          <a:lnRef idx="2">
-            <a:schemeClr val="dk1"/>
-          </a:lnRef>
-          <a:fillRef idx="1">
-            <a:schemeClr val="lt1"/>
-          </a:fillRef>
-          <a:effectRef idx="0">
-            <a:schemeClr val="dk1"/>
-          </a:effectRef>
-          <a:fontRef idx="minor">
-            <a:schemeClr val="dk1"/>
-          </a:fontRef>
-        </p:style>
-        <p:txBody>
-          <a:bodyPr rtlCol="0" anchor="ctr"/>
-          <a:lstStyle/>
-          <a:p>
-            <a:pPr algn="ctr"/>
-            <a:r>
-              <a:rPr lang="en-GB" dirty="0"/>
-              <a:t>current x,y position</a:t>
-            </a:r>
-          </a:p>
-        </p:txBody>
-      </p:sp>
       <p:grpSp>
         <p:nvGrpSpPr>
           <p:cNvPr id="103" name="Group 102">
